--- a/PRESENTATIONS/2023-09-tpac/2023-09-15-WoT-TPAC-Security-McCool.pptx
+++ b/PRESENTATIONS/2023-09-tpac/2023-09-15-WoT-TPAC-Security-McCool.pptx
@@ -130,6 +130,43 @@
     </p:ext>
   </p:extLst>
 </p:presentation>
+</file>
+
+<file path=ppt/revisionInfo.xml><?xml version="1.0" encoding="utf-8"?>
+<p1510:revInfo xmlns:a="http://schemas.openxmlformats.org/drawingml/2006/main" xmlns:r="http://schemas.openxmlformats.org/officeDocument/2006/relationships" xmlns:p1510="http://schemas.microsoft.com/office/powerpoint/2015/10/main">
+  <p1510:revLst>
+    <p1510:client id="{1497AB37-880B-4DE9-98D0-BC7E436FD928}" v="2" dt="2023-09-05T15:49:26.078"/>
+  </p1510:revLst>
+</p1510:revInfo>
+</file>
+
+<file path=ppt/changesInfos/changesInfo1.xml><?xml version="1.0" encoding="utf-8"?>
+<pc:chgInfo xmlns:a="http://schemas.openxmlformats.org/drawingml/2006/main" xmlns:r="http://schemas.openxmlformats.org/officeDocument/2006/relationships" xmlns:ac="http://schemas.microsoft.com/office/drawing/2013/main/command" xmlns:pc="http://schemas.microsoft.com/office/powerpoint/2013/main/command">
+  <pc:docChgLst>
+    <pc:chgData name="Mccool, Michael" userId="9022b910-48f5-4b36-ad75-783e2c5f7356" providerId="ADAL" clId="{1497AB37-880B-4DE9-98D0-BC7E436FD928}"/>
+    <pc:docChg chg="custSel modSld">
+      <pc:chgData name="Mccool, Michael" userId="9022b910-48f5-4b36-ad75-783e2c5f7356" providerId="ADAL" clId="{1497AB37-880B-4DE9-98D0-BC7E436FD928}" dt="2023-09-05T15:51:11.380" v="56" actId="20577"/>
+      <pc:docMkLst>
+        <pc:docMk/>
+      </pc:docMkLst>
+      <pc:sldChg chg="modSp mod">
+        <pc:chgData name="Mccool, Michael" userId="9022b910-48f5-4b36-ad75-783e2c5f7356" providerId="ADAL" clId="{1497AB37-880B-4DE9-98D0-BC7E436FD928}" dt="2023-09-05T15:51:11.380" v="56" actId="20577"/>
+        <pc:sldMkLst>
+          <pc:docMk/>
+          <pc:sldMk cId="3510028844" sldId="258"/>
+        </pc:sldMkLst>
+        <pc:spChg chg="mod">
+          <ac:chgData name="Mccool, Michael" userId="9022b910-48f5-4b36-ad75-783e2c5f7356" providerId="ADAL" clId="{1497AB37-880B-4DE9-98D0-BC7E436FD928}" dt="2023-09-05T15:51:11.380" v="56" actId="20577"/>
+          <ac:spMkLst>
+            <pc:docMk/>
+            <pc:sldMk cId="3510028844" sldId="258"/>
+            <ac:spMk id="3" creationId="{399DE2F6-AD3F-7A07-07C7-B4CFE99D8EE7}"/>
+          </ac:spMkLst>
+        </pc:spChg>
+      </pc:sldChg>
+    </pc:docChg>
+  </pc:docChgLst>
+</pc:chgInfo>
 </file>
 
 <file path=ppt/notesMasters/notesMaster1.xml><?xml version="1.0" encoding="utf-8"?>
@@ -4840,13 +4877,41 @@
             <a:pPr lvl="1"/>
             <a:r>
               <a:rPr lang="en-US" i="1" dirty="0"/>
-              <a:t>Names of Threats/Risks should be consistent.</a:t>
+              <a:t>Names of Threats/</a:t>
+            </a:r>
+            <a:r>
+              <a:rPr lang="en-US" i="1"/>
+              <a:t>Risks (and definitions) should </a:t>
+            </a:r>
+            <a:r>
+              <a:rPr lang="en-US" i="1" dirty="0"/>
+              <a:t>be consistent.</a:t>
             </a:r>
           </a:p>
           <a:p>
             <a:r>
               <a:rPr lang="en-US" dirty="0"/>
-              <a:t>A related issue: Architecture lists “stakeholders”, as does S&amp;PG, but these are not consistent.  </a:t>
+              <a:t>A related issue: UC&amp;R lists “</a:t>
+            </a:r>
+            <a:r>
+              <a:rPr lang="en-US" dirty="0">
+                <a:hlinkClick r:id="rId4"/>
+              </a:rPr>
+              <a:t>stakeholders</a:t>
+            </a:r>
+            <a:r>
+              <a:rPr lang="en-US" dirty="0"/>
+              <a:t>”, as does </a:t>
+            </a:r>
+            <a:r>
+              <a:rPr lang="en-US" dirty="0">
+                <a:hlinkClick r:id="rId5"/>
+              </a:rPr>
+              <a:t>S&amp;PG</a:t>
+            </a:r>
+            <a:r>
+              <a:rPr lang="en-US" dirty="0"/>
+              <a:t>, but these are not consistent.  </a:t>
             </a:r>
           </a:p>
           <a:p>

--- a/PRESENTATIONS/2023-09-tpac/2023-09-15-WoT-TPAC-Security-McCool.pptx
+++ b/PRESENTATIONS/2023-09-tpac/2023-09-15-WoT-TPAC-Security-McCool.pptx
@@ -5,7 +5,7 @@
     <p:sldMasterId id="2147483648" r:id="rId1"/>
   </p:sldMasterIdLst>
   <p:notesMasterIdLst>
-    <p:notesMasterId r:id="rId9"/>
+    <p:notesMasterId r:id="rId10"/>
   </p:notesMasterIdLst>
   <p:sldIdLst>
     <p:sldId id="256" r:id="rId2"/>
@@ -15,6 +15,7 @@
     <p:sldId id="260" r:id="rId6"/>
     <p:sldId id="261" r:id="rId7"/>
     <p:sldId id="262" r:id="rId8"/>
+    <p:sldId id="263" r:id="rId9"/>
   </p:sldIdLst>
   <p:sldSz cx="12192000" cy="6858000"/>
   <p:notesSz cx="6858000" cy="9144000"/>
@@ -144,8 +145,8 @@
 <pc:chgInfo xmlns:a="http://schemas.openxmlformats.org/drawingml/2006/main" xmlns:r="http://schemas.openxmlformats.org/officeDocument/2006/relationships" xmlns:ac="http://schemas.microsoft.com/office/drawing/2013/main/command" xmlns:pc="http://schemas.microsoft.com/office/powerpoint/2013/main/command">
   <pc:docChgLst>
     <pc:chgData name="Mccool, Michael" userId="9022b910-48f5-4b36-ad75-783e2c5f7356" providerId="ADAL" clId="{1497AB37-880B-4DE9-98D0-BC7E436FD928}"/>
-    <pc:docChg chg="custSel modSld">
-      <pc:chgData name="Mccool, Michael" userId="9022b910-48f5-4b36-ad75-783e2c5f7356" providerId="ADAL" clId="{1497AB37-880B-4DE9-98D0-BC7E436FD928}" dt="2023-09-05T15:51:11.380" v="56" actId="20577"/>
+    <pc:docChg chg="custSel addSld modSld">
+      <pc:chgData name="Mccool, Michael" userId="9022b910-48f5-4b36-ad75-783e2c5f7356" providerId="ADAL" clId="{1497AB37-880B-4DE9-98D0-BC7E436FD928}" dt="2023-09-15T13:37:10.002" v="1327" actId="5793"/>
       <pc:docMkLst>
         <pc:docMk/>
       </pc:docMkLst>
@@ -161,6 +162,29 @@
             <pc:docMk/>
             <pc:sldMk cId="3510028844" sldId="258"/>
             <ac:spMk id="3" creationId="{399DE2F6-AD3F-7A07-07C7-B4CFE99D8EE7}"/>
+          </ac:spMkLst>
+        </pc:spChg>
+      </pc:sldChg>
+      <pc:sldChg chg="modSp new mod">
+        <pc:chgData name="Mccool, Michael" userId="9022b910-48f5-4b36-ad75-783e2c5f7356" providerId="ADAL" clId="{1497AB37-880B-4DE9-98D0-BC7E436FD928}" dt="2023-09-15T13:37:10.002" v="1327" actId="5793"/>
+        <pc:sldMkLst>
+          <pc:docMk/>
+          <pc:sldMk cId="1862749839" sldId="263"/>
+        </pc:sldMkLst>
+        <pc:spChg chg="mod">
+          <ac:chgData name="Mccool, Michael" userId="9022b910-48f5-4b36-ad75-783e2c5f7356" providerId="ADAL" clId="{1497AB37-880B-4DE9-98D0-BC7E436FD928}" dt="2023-09-15T13:21:32.492" v="67" actId="20577"/>
+          <ac:spMkLst>
+            <pc:docMk/>
+            <pc:sldMk cId="1862749839" sldId="263"/>
+            <ac:spMk id="2" creationId="{AE1DF06F-D38C-BEF2-E064-97FF8943BF41}"/>
+          </ac:spMkLst>
+        </pc:spChg>
+        <pc:spChg chg="mod">
+          <ac:chgData name="Mccool, Michael" userId="9022b910-48f5-4b36-ad75-783e2c5f7356" providerId="ADAL" clId="{1497AB37-880B-4DE9-98D0-BC7E436FD928}" dt="2023-09-15T13:37:10.002" v="1327" actId="5793"/>
+          <ac:spMkLst>
+            <pc:docMk/>
+            <pc:sldMk cId="1862749839" sldId="263"/>
+            <ac:spMk id="3" creationId="{BADC3C59-1B96-6C86-3565-2FF87C9A66D0}"/>
           </ac:spMkLst>
         </pc:spChg>
       </pc:sldChg>
@@ -251,7 +275,7 @@
           <a:p>
             <a:fld id="{8389B5DD-0274-BF45-B4C5-62E173E8F634}" type="datetimeFigureOut">
               <a:rPr lang="en-US" smtClean="0"/>
-              <a:t>9/5/2023</a:t>
+              <a:t>9/15/2023</a:t>
             </a:fld>
             <a:endParaRPr lang="en-US"/>
           </a:p>
@@ -867,7 +891,7 @@
           <a:p>
             <a:fld id="{2F93E591-CC8D-C74E-8EED-098A7FB5E64D}" type="datetime1">
               <a:rPr lang="en-CA" smtClean="0"/>
-              <a:t>2023-09-05</a:t>
+              <a:t>2023-09-15</a:t>
             </a:fld>
             <a:endParaRPr lang="en-US"/>
           </a:p>
@@ -1135,7 +1159,7 @@
           <a:p>
             <a:fld id="{2E1BC118-574D-594E-ABEA-A7C82666C9AB}" type="datetime1">
               <a:rPr lang="en-CA" smtClean="0"/>
-              <a:t>2023-09-05</a:t>
+              <a:t>2023-09-15</a:t>
             </a:fld>
             <a:endParaRPr lang="en-US"/>
           </a:p>
@@ -1501,7 +1525,7 @@
           <a:p>
             <a:fld id="{B929AB1E-7FD9-0A40-B7C0-508CCACB3E9A}" type="datetime1">
               <a:rPr lang="en-CA" smtClean="0"/>
-              <a:t>2023-09-05</a:t>
+              <a:t>2023-09-15</a:t>
             </a:fld>
             <a:endParaRPr lang="en-US"/>
           </a:p>
@@ -1733,7 +1757,7 @@
           <a:p>
             <a:fld id="{5AE8723F-57EA-4C47-97B9-92AFDEEF85DC}" type="datetime1">
               <a:rPr lang="en-CA" smtClean="0"/>
-              <a:t>2023-09-05</a:t>
+              <a:t>2023-09-15</a:t>
             </a:fld>
             <a:endParaRPr lang="en-US"/>
           </a:p>
@@ -2063,7 +2087,7 @@
           <a:p>
             <a:fld id="{B2B00E5D-EC04-AA49-8D52-0FCB6E08F63D}" type="datetime1">
               <a:rPr lang="en-CA" smtClean="0"/>
-              <a:t>2023-09-05</a:t>
+              <a:t>2023-09-15</a:t>
             </a:fld>
             <a:endParaRPr lang="en-US"/>
           </a:p>
@@ -2536,7 +2560,7 @@
           <a:p>
             <a:fld id="{FF90905C-10FF-8047-AA7E-6DC7E8B6AF51}" type="datetime1">
               <a:rPr lang="en-CA" smtClean="0"/>
-              <a:t>2023-09-05</a:t>
+              <a:t>2023-09-15</a:t>
             </a:fld>
             <a:endParaRPr lang="en-US"/>
           </a:p>
@@ -2742,7 +2766,7 @@
           <a:p>
             <a:fld id="{D1CE86E2-4400-D342-BEEC-F9C1ADF6F9F7}" type="datetime1">
               <a:rPr lang="en-CA" smtClean="0"/>
-              <a:t>2023-09-05</a:t>
+              <a:t>2023-09-15</a:t>
             </a:fld>
             <a:endParaRPr lang="en-US"/>
           </a:p>
@@ -2912,7 +2936,7 @@
           <a:p>
             <a:fld id="{74358A08-7221-7F45-8378-69D5559861DD}" type="datetime1">
               <a:rPr lang="en-CA" smtClean="0"/>
-              <a:t>2023-09-05</a:t>
+              <a:t>2023-09-15</a:t>
             </a:fld>
             <a:endParaRPr lang="en-US"/>
           </a:p>
@@ -3284,7 +3308,7 @@
           <a:p>
             <a:fld id="{08C20FDB-303D-8A4E-83B7-226DD88B97BD}" type="datetime1">
               <a:rPr lang="en-CA" smtClean="0"/>
-              <a:t>2023-09-05</a:t>
+              <a:t>2023-09-15</a:t>
             </a:fld>
             <a:endParaRPr lang="en-US"/>
           </a:p>
@@ -3636,7 +3660,7 @@
           <a:p>
             <a:fld id="{0A9EBA37-9D18-D34A-A88D-1B00AA06E95C}" type="datetime1">
               <a:rPr lang="en-CA" smtClean="0"/>
-              <a:t>2023-09-05</a:t>
+              <a:t>2023-09-15</a:t>
             </a:fld>
             <a:endParaRPr lang="en-US"/>
           </a:p>
@@ -3976,7 +4000,7 @@
             <a:fld id="{B73A2E78-F38A-E046-ACDB-668F070D1EF6}" type="datetime1">
               <a:rPr lang="en-CA" smtClean="0"/>
               <a:pPr/>
-              <a:t>2023-09-05</a:t>
+              <a:t>2023-09-15</a:t>
             </a:fld>
             <a:endParaRPr lang="en-US" dirty="0"/>
           </a:p>
@@ -4682,7 +4706,7 @@
           <a:p>
             <a:fld id="{BF92DA42-2970-1B4D-9C1F-77F249CD7467}" type="datetime1">
               <a:rPr lang="en-CA" smtClean="0"/>
-              <a:t>2023-09-05</a:t>
+              <a:t>2023-09-15</a:t>
             </a:fld>
             <a:endParaRPr lang="en-US" dirty="0"/>
           </a:p>
@@ -5009,7 +5033,7 @@
           <a:p>
             <a:fld id="{B929AB1E-7FD9-0A40-B7C0-508CCACB3E9A}" type="datetime1">
               <a:rPr lang="en-CA" smtClean="0"/>
-              <a:t>2023-09-05</a:t>
+              <a:t>2023-09-15</a:t>
             </a:fld>
             <a:endParaRPr lang="en-US"/>
           </a:p>
@@ -5314,7 +5338,7 @@
           <a:p>
             <a:fld id="{B929AB1E-7FD9-0A40-B7C0-508CCACB3E9A}" type="datetime1">
               <a:rPr lang="en-CA" smtClean="0"/>
-              <a:t>2023-09-05</a:t>
+              <a:t>2023-09-15</a:t>
             </a:fld>
             <a:endParaRPr lang="en-US"/>
           </a:p>
@@ -5551,7 +5575,7 @@
           <a:p>
             <a:fld id="{B929AB1E-7FD9-0A40-B7C0-508CCACB3E9A}" type="datetime1">
               <a:rPr lang="en-CA" smtClean="0"/>
-              <a:t>2023-09-05</a:t>
+              <a:t>2023-09-15</a:t>
             </a:fld>
             <a:endParaRPr lang="en-US"/>
           </a:p>
@@ -5844,7 +5868,7 @@
           <a:p>
             <a:fld id="{B929AB1E-7FD9-0A40-B7C0-508CCACB3E9A}" type="datetime1">
               <a:rPr lang="en-CA" smtClean="0"/>
-              <a:t>2023-09-05</a:t>
+              <a:t>2023-09-15</a:t>
             </a:fld>
             <a:endParaRPr lang="en-US"/>
           </a:p>
@@ -6131,7 +6155,7 @@
           <a:p>
             <a:fld id="{B929AB1E-7FD9-0A40-B7C0-508CCACB3E9A}" type="datetime1">
               <a:rPr lang="en-CA" smtClean="0"/>
-              <a:t>2023-09-05</a:t>
+              <a:t>2023-09-15</a:t>
             </a:fld>
             <a:endParaRPr lang="en-US"/>
           </a:p>
@@ -6141,6 +6165,256 @@
     <p:extLst>
       <p:ext uri="{BB962C8B-B14F-4D97-AF65-F5344CB8AC3E}">
         <p14:creationId xmlns:p14="http://schemas.microsoft.com/office/powerpoint/2010/main" val="3769982226"/>
+      </p:ext>
+    </p:extLst>
+  </p:cSld>
+  <p:clrMapOvr>
+    <a:masterClrMapping/>
+  </p:clrMapOvr>
+</p:sld>
+</file>
+
+<file path=ppt/slides/slide8.xml><?xml version="1.0" encoding="utf-8"?>
+<p:sld xmlns:a="http://schemas.openxmlformats.org/drawingml/2006/main" xmlns:r="http://schemas.openxmlformats.org/officeDocument/2006/relationships" xmlns:p="http://schemas.openxmlformats.org/presentationml/2006/main">
+  <p:cSld>
+    <p:spTree>
+      <p:nvGrpSpPr>
+        <p:cNvPr id="1" name=""/>
+        <p:cNvGrpSpPr/>
+        <p:nvPr/>
+      </p:nvGrpSpPr>
+      <p:grpSpPr>
+        <a:xfrm>
+          <a:off x="0" y="0"/>
+          <a:ext cx="0" cy="0"/>
+          <a:chOff x="0" y="0"/>
+          <a:chExt cx="0" cy="0"/>
+        </a:xfrm>
+      </p:grpSpPr>
+      <p:sp>
+        <p:nvSpPr>
+          <p:cNvPr id="2" name="Title 1">
+            <a:extLst>
+              <a:ext uri="{FF2B5EF4-FFF2-40B4-BE49-F238E27FC236}">
+                <a16:creationId xmlns:a16="http://schemas.microsoft.com/office/drawing/2014/main" id="{AE1DF06F-D38C-BEF2-E064-97FF8943BF41}"/>
+              </a:ext>
+            </a:extLst>
+          </p:cNvPr>
+          <p:cNvSpPr>
+            <a:spLocks noGrp="1"/>
+          </p:cNvSpPr>
+          <p:nvPr>
+            <p:ph type="title"/>
+          </p:nvPr>
+        </p:nvSpPr>
+        <p:spPr/>
+        <p:txBody>
+          <a:bodyPr/>
+          <a:lstStyle/>
+          <a:p>
+            <a:r>
+              <a:rPr lang="en-CA" dirty="0"/>
+              <a:t>Discussion</a:t>
+            </a:r>
+            <a:endParaRPr lang="en-US" dirty="0"/>
+          </a:p>
+        </p:txBody>
+      </p:sp>
+      <p:sp>
+        <p:nvSpPr>
+          <p:cNvPr id="3" name="Content Placeholder 2">
+            <a:extLst>
+              <a:ext uri="{FF2B5EF4-FFF2-40B4-BE49-F238E27FC236}">
+                <a16:creationId xmlns:a16="http://schemas.microsoft.com/office/drawing/2014/main" id="{BADC3C59-1B96-6C86-3565-2FF87C9A66D0}"/>
+              </a:ext>
+            </a:extLst>
+          </p:cNvPr>
+          <p:cNvSpPr>
+            <a:spLocks noGrp="1"/>
+          </p:cNvSpPr>
+          <p:nvPr>
+            <p:ph idx="1"/>
+          </p:nvPr>
+        </p:nvSpPr>
+        <p:spPr/>
+        <p:txBody>
+          <a:bodyPr>
+            <a:normAutofit fontScale="70000" lnSpcReduction="20000"/>
+          </a:bodyPr>
+          <a:lstStyle/>
+          <a:p>
+            <a:r>
+              <a:rPr lang="en-CA" dirty="0"/>
+              <a:t>Luca: split security concerns; SW stack vs. inappropriate use of device (e.g. using switch to turn on space heater remotely – a dumb idea) vs. user configuration (not changing passwords).</a:t>
+            </a:r>
+          </a:p>
+          <a:p>
+            <a:r>
+              <a:rPr lang="en-CA" dirty="0"/>
+              <a:t>MM: related to “policy” assertions, e.g. for privacy or deployment.  Note that threat model(s) exist because security is multifaceted</a:t>
+            </a:r>
+          </a:p>
+          <a:p>
+            <a:r>
+              <a:rPr lang="en-CA" dirty="0"/>
+              <a:t>Luca: also want actionable information</a:t>
+            </a:r>
+          </a:p>
+          <a:p>
+            <a:r>
+              <a:rPr lang="en-CA" dirty="0"/>
+              <a:t>Ege: also safety; is this “security” or another set of considerations?  Testability.  Awareness of S&amp;PG doc.</a:t>
+            </a:r>
+          </a:p>
+          <a:p>
+            <a:r>
+              <a:rPr lang="en-CA" dirty="0"/>
+              <a:t>MM: One option would be to make the SP&amp;G doc more central, e.g. move S&amp;P detailed considerations there.</a:t>
+            </a:r>
+          </a:p>
+          <a:p>
+            <a:r>
+              <a:rPr lang="en-CA" dirty="0" err="1"/>
+              <a:t>Kaz</a:t>
+            </a:r>
+            <a:r>
+              <a:rPr lang="en-CA" dirty="0"/>
+              <a:t>: should do more work to review what other SDOs have done.</a:t>
+            </a:r>
+          </a:p>
+          <a:p>
+            <a:r>
+              <a:rPr lang="en-CA" dirty="0"/>
+              <a:t>MM: could also ask implementers or academics?</a:t>
+            </a:r>
+          </a:p>
+          <a:p>
+            <a:r>
+              <a:rPr lang="en-CA" dirty="0"/>
+              <a:t>Sal: very wide topic; also discussed  a lot in </a:t>
+            </a:r>
+            <a:r>
+              <a:rPr lang="en-CA" dirty="0" err="1"/>
+              <a:t>Bacnet</a:t>
+            </a:r>
+            <a:r>
+              <a:rPr lang="en-CA" dirty="0"/>
+              <a:t>.  IEC standards for automation is relevant.   Could in general lean more heavily on external standards.  See also IoT Alliance.   </a:t>
+            </a:r>
+          </a:p>
+          <a:p>
+            <a:r>
+              <a:rPr lang="en-CA" dirty="0"/>
+              <a:t>MM: Also IoT SF.  Should re-review, a lot has happened in the last five years.</a:t>
+            </a:r>
+          </a:p>
+          <a:p>
+            <a:r>
+              <a:rPr lang="en-CA" dirty="0"/>
+              <a:t>David Ezell: security is what </a:t>
+            </a:r>
+            <a:r>
+              <a:rPr lang="en-CA"/>
+              <a:t>the certification lab </a:t>
+            </a:r>
+            <a:r>
+              <a:rPr lang="en-CA" dirty="0"/>
+              <a:t>says it is.  What about domains?</a:t>
+            </a:r>
+            <a:endParaRPr lang="en-US" dirty="0"/>
+          </a:p>
+        </p:txBody>
+      </p:sp>
+      <p:sp>
+        <p:nvSpPr>
+          <p:cNvPr id="4" name="Footer Placeholder 3">
+            <a:extLst>
+              <a:ext uri="{FF2B5EF4-FFF2-40B4-BE49-F238E27FC236}">
+                <a16:creationId xmlns:a16="http://schemas.microsoft.com/office/drawing/2014/main" id="{2B925CA5-9182-5EF1-EA20-1B7779CF584D}"/>
+              </a:ext>
+            </a:extLst>
+          </p:cNvPr>
+          <p:cNvSpPr>
+            <a:spLocks noGrp="1"/>
+          </p:cNvSpPr>
+          <p:nvPr>
+            <p:ph type="ftr" sz="quarter" idx="11"/>
+          </p:nvPr>
+        </p:nvSpPr>
+        <p:spPr/>
+        <p:txBody>
+          <a:bodyPr/>
+          <a:lstStyle/>
+          <a:p>
+            <a:r>
+              <a:rPr lang="en-US"/>
+              <a:t>W3C Web of Things (WoT) WG/IG</a:t>
+            </a:r>
+          </a:p>
+        </p:txBody>
+      </p:sp>
+      <p:sp>
+        <p:nvSpPr>
+          <p:cNvPr id="5" name="Slide Number Placeholder 4">
+            <a:extLst>
+              <a:ext uri="{FF2B5EF4-FFF2-40B4-BE49-F238E27FC236}">
+                <a16:creationId xmlns:a16="http://schemas.microsoft.com/office/drawing/2014/main" id="{CECE6350-10A6-76BC-FB7A-199C8907A225}"/>
+              </a:ext>
+            </a:extLst>
+          </p:cNvPr>
+          <p:cNvSpPr>
+            <a:spLocks noGrp="1"/>
+          </p:cNvSpPr>
+          <p:nvPr>
+            <p:ph type="sldNum" sz="quarter" idx="12"/>
+          </p:nvPr>
+        </p:nvSpPr>
+        <p:spPr/>
+        <p:txBody>
+          <a:bodyPr/>
+          <a:lstStyle/>
+          <a:p>
+            <a:fld id="{055BDE2E-7167-1944-9FEE-E44668D91CB6}" type="slidenum">
+              <a:rPr lang="en-US" smtClean="0"/>
+              <a:t>8</a:t>
+            </a:fld>
+            <a:endParaRPr lang="en-US"/>
+          </a:p>
+        </p:txBody>
+      </p:sp>
+      <p:sp>
+        <p:nvSpPr>
+          <p:cNvPr id="6" name="Date Placeholder 5">
+            <a:extLst>
+              <a:ext uri="{FF2B5EF4-FFF2-40B4-BE49-F238E27FC236}">
+                <a16:creationId xmlns:a16="http://schemas.microsoft.com/office/drawing/2014/main" id="{CBD31D38-E895-8E91-76AD-D18FB8761FF8}"/>
+              </a:ext>
+            </a:extLst>
+          </p:cNvPr>
+          <p:cNvSpPr>
+            <a:spLocks noGrp="1"/>
+          </p:cNvSpPr>
+          <p:nvPr>
+            <p:ph type="dt" sz="half" idx="10"/>
+          </p:nvPr>
+        </p:nvSpPr>
+        <p:spPr/>
+        <p:txBody>
+          <a:bodyPr/>
+          <a:lstStyle/>
+          <a:p>
+            <a:fld id="{B929AB1E-7FD9-0A40-B7C0-508CCACB3E9A}" type="datetime1">
+              <a:rPr lang="en-CA" smtClean="0"/>
+              <a:t>2023-09-15</a:t>
+            </a:fld>
+            <a:endParaRPr lang="en-US"/>
+          </a:p>
+        </p:txBody>
+      </p:sp>
+    </p:spTree>
+    <p:extLst>
+      <p:ext uri="{BB962C8B-B14F-4D97-AF65-F5344CB8AC3E}">
+        <p14:creationId xmlns:p14="http://schemas.microsoft.com/office/powerpoint/2010/main" val="1862749839"/>
       </p:ext>
     </p:extLst>
   </p:cSld>
